--- a/Life Expectancy (2024).pptx
+++ b/Life Expectancy (2024).pptx
@@ -6,8 +6,10 @@
   </p:sldMasterIdLst>
   <p:sldIdLst>
     <p:sldId id="256" r:id="rId2"/>
-    <p:sldId id="257" r:id="rId3"/>
-    <p:sldId id="258" r:id="rId4"/>
+    <p:sldId id="259" r:id="rId3"/>
+    <p:sldId id="260" r:id="rId4"/>
+    <p:sldId id="257" r:id="rId5"/>
+    <p:sldId id="258" r:id="rId6"/>
   </p:sldIdLst>
   <p:sldSz cx="12192000" cy="6858000"/>
   <p:notesSz cx="6858000" cy="9144000"/>
@@ -126,8 +128,8 @@
 <pc:chgInfo xmlns:a="http://schemas.openxmlformats.org/drawingml/2006/main" xmlns:r="http://schemas.openxmlformats.org/officeDocument/2006/relationships" xmlns:ac="http://schemas.microsoft.com/office/drawing/2013/main/command" xmlns:pc="http://schemas.microsoft.com/office/powerpoint/2013/main/command">
   <pc:docChgLst>
     <pc:chgData name="David A. Gee" userId="e9ce1845d50193f0" providerId="LiveId" clId="{7E91A5EA-9457-42B7-92B7-B1C3757B5038}"/>
-    <pc:docChg chg="custSel modSld">
-      <pc:chgData name="David A. Gee" userId="e9ce1845d50193f0" providerId="LiveId" clId="{7E91A5EA-9457-42B7-92B7-B1C3757B5038}" dt="2025-03-10T23:09:11.233" v="2" actId="26606"/>
+    <pc:docChg chg="custSel addSld modSld">
+      <pc:chgData name="David A. Gee" userId="e9ce1845d50193f0" providerId="LiveId" clId="{7E91A5EA-9457-42B7-92B7-B1C3757B5038}" dt="2025-03-17T22:13:15.982" v="1166" actId="20577"/>
       <pc:docMkLst>
         <pc:docMk/>
       </pc:docMkLst>
@@ -155,13 +157,13 @@
         </pc:spChg>
       </pc:sldChg>
       <pc:sldChg chg="addSp delSp modSp mod setBg delDesignElem">
-        <pc:chgData name="David A. Gee" userId="e9ce1845d50193f0" providerId="LiveId" clId="{7E91A5EA-9457-42B7-92B7-B1C3757B5038}" dt="2025-03-10T23:09:11.233" v="2" actId="26606"/>
+        <pc:chgData name="David A. Gee" userId="e9ce1845d50193f0" providerId="LiveId" clId="{7E91A5EA-9457-42B7-92B7-B1C3757B5038}" dt="2025-03-17T21:58:20.691" v="38" actId="20577"/>
         <pc:sldMkLst>
           <pc:docMk/>
           <pc:sldMk cId="4108112269" sldId="257"/>
         </pc:sldMkLst>
         <pc:spChg chg="mod">
-          <ac:chgData name="David A. Gee" userId="e9ce1845d50193f0" providerId="LiveId" clId="{7E91A5EA-9457-42B7-92B7-B1C3757B5038}" dt="2025-03-10T23:09:11.233" v="2" actId="26606"/>
+          <ac:chgData name="David A. Gee" userId="e9ce1845d50193f0" providerId="LiveId" clId="{7E91A5EA-9457-42B7-92B7-B1C3757B5038}" dt="2025-03-17T21:58:20.691" v="38" actId="20577"/>
           <ac:spMkLst>
             <pc:docMk/>
             <pc:sldMk cId="4108112269" sldId="257"/>
@@ -176,36 +178,12 @@
             <ac:spMk id="9" creationId="{D2EDDE16-7156-97C6-132A-950C582F1011}"/>
           </ac:spMkLst>
         </pc:spChg>
-        <pc:spChg chg="del">
-          <ac:chgData name="David A. Gee" userId="e9ce1845d50193f0" providerId="LiveId" clId="{7E91A5EA-9457-42B7-92B7-B1C3757B5038}" dt="2025-03-10T23:09:03.246" v="1"/>
-          <ac:spMkLst>
-            <pc:docMk/>
-            <pc:sldMk cId="4108112269" sldId="257"/>
-            <ac:spMk id="12" creationId="{021A4066-B261-49FE-952E-A0FE3EE75CD2}"/>
-          </ac:spMkLst>
-        </pc:spChg>
-        <pc:spChg chg="del">
-          <ac:chgData name="David A. Gee" userId="e9ce1845d50193f0" providerId="LiveId" clId="{7E91A5EA-9457-42B7-92B7-B1C3757B5038}" dt="2025-03-10T23:09:03.246" v="1"/>
-          <ac:spMkLst>
-            <pc:docMk/>
-            <pc:sldMk cId="4108112269" sldId="257"/>
-            <ac:spMk id="16" creationId="{81958111-BC13-4D45-AB27-0C2C83F9BA64}"/>
-          </ac:spMkLst>
-        </pc:spChg>
         <pc:grpChg chg="add">
           <ac:chgData name="David A. Gee" userId="e9ce1845d50193f0" providerId="LiveId" clId="{7E91A5EA-9457-42B7-92B7-B1C3757B5038}" dt="2025-03-10T23:09:11.233" v="2" actId="26606"/>
           <ac:grpSpMkLst>
             <pc:docMk/>
             <pc:sldMk cId="4108112269" sldId="257"/>
             <ac:grpSpMk id="11" creationId="{C0C75A5C-43F0-47CF-9403-0A7FD5500D2A}"/>
-          </ac:grpSpMkLst>
-        </pc:grpChg>
-        <pc:grpChg chg="del">
-          <ac:chgData name="David A. Gee" userId="e9ce1845d50193f0" providerId="LiveId" clId="{7E91A5EA-9457-42B7-92B7-B1C3757B5038}" dt="2025-03-10T23:09:03.246" v="1"/>
-          <ac:grpSpMkLst>
-            <pc:docMk/>
-            <pc:sldMk cId="4108112269" sldId="257"/>
-            <ac:grpSpMk id="18" creationId="{82188758-E18A-4CE5-9D03-F4BF5D887C3F}"/>
           </ac:grpSpMkLst>
         </pc:grpChg>
         <pc:picChg chg="mod">
@@ -216,30 +194,6 @@
             <ac:picMk id="5" creationId="{347C3754-6A56-BE6C-081A-8089C09344EB}"/>
           </ac:picMkLst>
         </pc:picChg>
-        <pc:picChg chg="del">
-          <ac:chgData name="David A. Gee" userId="e9ce1845d50193f0" providerId="LiveId" clId="{7E91A5EA-9457-42B7-92B7-B1C3757B5038}" dt="2025-03-10T23:09:03.246" v="1"/>
-          <ac:picMkLst>
-            <pc:docMk/>
-            <pc:sldMk cId="4108112269" sldId="257"/>
-            <ac:picMk id="22" creationId="{D42F4933-2ECF-4EE5-BCE4-F19E3CA609FE}"/>
-          </ac:picMkLst>
-        </pc:picChg>
-        <pc:cxnChg chg="del">
-          <ac:chgData name="David A. Gee" userId="e9ce1845d50193f0" providerId="LiveId" clId="{7E91A5EA-9457-42B7-92B7-B1C3757B5038}" dt="2025-03-10T23:09:03.246" v="1"/>
-          <ac:cxnSpMkLst>
-            <pc:docMk/>
-            <pc:sldMk cId="4108112269" sldId="257"/>
-            <ac:cxnSpMk id="14" creationId="{381B4579-E2EA-4BD7-94FF-0A0BEE135C6B}"/>
-          </ac:cxnSpMkLst>
-        </pc:cxnChg>
-        <pc:cxnChg chg="del">
-          <ac:chgData name="David A. Gee" userId="e9ce1845d50193f0" providerId="LiveId" clId="{7E91A5EA-9457-42B7-92B7-B1C3757B5038}" dt="2025-03-10T23:09:03.246" v="1"/>
-          <ac:cxnSpMkLst>
-            <pc:docMk/>
-            <pc:sldMk cId="4108112269" sldId="257"/>
-            <ac:cxnSpMk id="24" creationId="{C6FAC23C-014D-4AC5-AD1B-36F7D0E7EF32}"/>
-          </ac:cxnSpMkLst>
-        </pc:cxnChg>
       </pc:sldChg>
       <pc:sldChg chg="modSp">
         <pc:chgData name="David A. Gee" userId="e9ce1845d50193f0" providerId="LiveId" clId="{7E91A5EA-9457-42B7-92B7-B1C3757B5038}" dt="2025-03-10T23:09:03.246" v="1"/>
@@ -261,6 +215,60 @@
             <pc:docMk/>
             <pc:sldMk cId="979662097" sldId="258"/>
             <ac:spMk id="11" creationId="{7CEC3931-1C46-D2B4-D69F-19207B648B53}"/>
+          </ac:spMkLst>
+        </pc:spChg>
+      </pc:sldChg>
+      <pc:sldChg chg="modSp new mod">
+        <pc:chgData name="David A. Gee" userId="e9ce1845d50193f0" providerId="LiveId" clId="{7E91A5EA-9457-42B7-92B7-B1C3757B5038}" dt="2025-03-17T22:09:21.390" v="603" actId="20577"/>
+        <pc:sldMkLst>
+          <pc:docMk/>
+          <pc:sldMk cId="668768399" sldId="259"/>
+        </pc:sldMkLst>
+        <pc:spChg chg="mod">
+          <ac:chgData name="David A. Gee" userId="e9ce1845d50193f0" providerId="LiveId" clId="{7E91A5EA-9457-42B7-92B7-B1C3757B5038}" dt="2025-03-17T22:00:51.273" v="212" actId="20577"/>
+          <ac:spMkLst>
+            <pc:docMk/>
+            <pc:sldMk cId="668768399" sldId="259"/>
+            <ac:spMk id="2" creationId="{333F2A5A-5E0C-374F-F886-9F37D05C1906}"/>
+          </ac:spMkLst>
+        </pc:spChg>
+        <pc:spChg chg="mod">
+          <ac:chgData name="David A. Gee" userId="e9ce1845d50193f0" providerId="LiveId" clId="{7E91A5EA-9457-42B7-92B7-B1C3757B5038}" dt="2025-03-17T22:09:21.390" v="603" actId="20577"/>
+          <ac:spMkLst>
+            <pc:docMk/>
+            <pc:sldMk cId="668768399" sldId="259"/>
+            <ac:spMk id="3" creationId="{BC7BF01B-A52B-503F-DD65-402D42B1A9F9}"/>
+          </ac:spMkLst>
+        </pc:spChg>
+      </pc:sldChg>
+      <pc:sldChg chg="modSp new mod">
+        <pc:chgData name="David A. Gee" userId="e9ce1845d50193f0" providerId="LiveId" clId="{7E91A5EA-9457-42B7-92B7-B1C3757B5038}" dt="2025-03-17T22:13:15.982" v="1166" actId="20577"/>
+        <pc:sldMkLst>
+          <pc:docMk/>
+          <pc:sldMk cId="1145751062" sldId="260"/>
+        </pc:sldMkLst>
+        <pc:spChg chg="mod">
+          <ac:chgData name="David A. Gee" userId="e9ce1845d50193f0" providerId="LiveId" clId="{7E91A5EA-9457-42B7-92B7-B1C3757B5038}" dt="2025-03-17T22:10:08.616" v="661" actId="20577"/>
+          <ac:spMkLst>
+            <pc:docMk/>
+            <pc:sldMk cId="1145751062" sldId="260"/>
+            <ac:spMk id="2" creationId="{A9AC7795-2FD8-74B7-3E44-BA7EAFF5FB37}"/>
+          </ac:spMkLst>
+        </pc:spChg>
+        <pc:spChg chg="mod">
+          <ac:chgData name="David A. Gee" userId="e9ce1845d50193f0" providerId="LiveId" clId="{7E91A5EA-9457-42B7-92B7-B1C3757B5038}" dt="2025-03-17T22:11:53.966" v="934" actId="20577"/>
+          <ac:spMkLst>
+            <pc:docMk/>
+            <pc:sldMk cId="1145751062" sldId="260"/>
+            <ac:spMk id="3" creationId="{9443EDFD-9286-157E-1028-B2009094DC51}"/>
+          </ac:spMkLst>
+        </pc:spChg>
+        <pc:spChg chg="mod">
+          <ac:chgData name="David A. Gee" userId="e9ce1845d50193f0" providerId="LiveId" clId="{7E91A5EA-9457-42B7-92B7-B1C3757B5038}" dt="2025-03-17T22:13:15.982" v="1166" actId="20577"/>
+          <ac:spMkLst>
+            <pc:docMk/>
+            <pc:sldMk cId="1145751062" sldId="260"/>
+            <ac:spMk id="4" creationId="{64A760C9-8D96-FAD5-E31D-4A9E3E2CD4E9}"/>
           </ac:spMkLst>
         </pc:spChg>
       </pc:sldChg>
@@ -408,7 +416,7 @@
           <a:p>
             <a:fld id="{6E37FCC1-8796-4115-8C46-99F015F578DA}" type="datetimeFigureOut">
               <a:rPr lang="en-US" smtClean="0"/>
-              <a:t>3/10/2025</a:t>
+              <a:t>3/17/2025</a:t>
             </a:fld>
             <a:endParaRPr lang="en-US"/>
           </a:p>
@@ -628,7 +636,7 @@
           <a:p>
             <a:fld id="{6E37FCC1-8796-4115-8C46-99F015F578DA}" type="datetimeFigureOut">
               <a:rPr lang="en-US" smtClean="0"/>
-              <a:t>3/10/2025</a:t>
+              <a:t>3/17/2025</a:t>
             </a:fld>
             <a:endParaRPr lang="en-US"/>
           </a:p>
@@ -852,7 +860,7 @@
           <a:p>
             <a:fld id="{6E37FCC1-8796-4115-8C46-99F015F578DA}" type="datetimeFigureOut">
               <a:rPr lang="en-US" smtClean="0"/>
-              <a:t>3/10/2025</a:t>
+              <a:t>3/17/2025</a:t>
             </a:fld>
             <a:endParaRPr lang="en-US"/>
           </a:p>
@@ -1066,7 +1074,7 @@
           <a:p>
             <a:fld id="{6E37FCC1-8796-4115-8C46-99F015F578DA}" type="datetimeFigureOut">
               <a:rPr lang="en-US" smtClean="0"/>
-              <a:t>3/10/2025</a:t>
+              <a:t>3/17/2025</a:t>
             </a:fld>
             <a:endParaRPr lang="en-US"/>
           </a:p>
@@ -1358,7 +1366,7 @@
           <a:p>
             <a:fld id="{6E37FCC1-8796-4115-8C46-99F015F578DA}" type="datetimeFigureOut">
               <a:rPr lang="en-US" smtClean="0"/>
-              <a:t>3/10/2025</a:t>
+              <a:t>3/17/2025</a:t>
             </a:fld>
             <a:endParaRPr lang="en-US"/>
           </a:p>
@@ -1635,7 +1643,7 @@
           <a:p>
             <a:fld id="{6E37FCC1-8796-4115-8C46-99F015F578DA}" type="datetimeFigureOut">
               <a:rPr lang="en-US" smtClean="0"/>
-              <a:t>3/10/2025</a:t>
+              <a:t>3/17/2025</a:t>
             </a:fld>
             <a:endParaRPr lang="en-US"/>
           </a:p>
@@ -2060,7 +2068,7 @@
           <a:p>
             <a:fld id="{6E37FCC1-8796-4115-8C46-99F015F578DA}" type="datetimeFigureOut">
               <a:rPr lang="en-US" smtClean="0"/>
-              <a:t>3/10/2025</a:t>
+              <a:t>3/17/2025</a:t>
             </a:fld>
             <a:endParaRPr lang="en-US"/>
           </a:p>
@@ -2218,7 +2226,7 @@
           <a:p>
             <a:fld id="{6E37FCC1-8796-4115-8C46-99F015F578DA}" type="datetimeFigureOut">
               <a:rPr lang="en-US" smtClean="0"/>
-              <a:t>3/10/2025</a:t>
+              <a:t>3/17/2025</a:t>
             </a:fld>
             <a:endParaRPr lang="en-US"/>
           </a:p>
@@ -2353,7 +2361,7 @@
           <a:p>
             <a:fld id="{6E37FCC1-8796-4115-8C46-99F015F578DA}" type="datetimeFigureOut">
               <a:rPr lang="en-US" smtClean="0"/>
-              <a:t>3/10/2025</a:t>
+              <a:t>3/17/2025</a:t>
             </a:fld>
             <a:endParaRPr lang="en-US"/>
           </a:p>
@@ -2604,7 +2612,7 @@
           <a:p>
             <a:fld id="{6E37FCC1-8796-4115-8C46-99F015F578DA}" type="datetimeFigureOut">
               <a:rPr lang="en-US" smtClean="0"/>
-              <a:t>3/10/2025</a:t>
+              <a:t>3/17/2025</a:t>
             </a:fld>
             <a:endParaRPr lang="en-US"/>
           </a:p>
@@ -3064,7 +3072,7 @@
           <a:p>
             <a:fld id="{6E37FCC1-8796-4115-8C46-99F015F578DA}" type="datetimeFigureOut">
               <a:rPr lang="en-US" smtClean="0"/>
-              <a:t>3/10/2025</a:t>
+              <a:t>3/17/2025</a:t>
             </a:fld>
             <a:endParaRPr lang="en-US"/>
           </a:p>
@@ -3446,7 +3454,7 @@
           <a:p>
             <a:fld id="{6E37FCC1-8796-4115-8C46-99F015F578DA}" type="datetimeFigureOut">
               <a:rPr lang="en-US" smtClean="0"/>
-              <a:t>3/10/2025</a:t>
+              <a:t>3/17/2025</a:t>
             </a:fld>
             <a:endParaRPr lang="en-US"/>
           </a:p>
@@ -3967,6 +3975,265 @@
 <file path=ppt/slides/slide2.xml><?xml version="1.0" encoding="utf-8"?>
 <p:sld xmlns:a="http://schemas.openxmlformats.org/drawingml/2006/main" xmlns:r="http://schemas.openxmlformats.org/officeDocument/2006/relationships" xmlns:p="http://schemas.openxmlformats.org/presentationml/2006/main">
   <p:cSld>
+    <p:spTree>
+      <p:nvGrpSpPr>
+        <p:cNvPr id="1" name=""/>
+        <p:cNvGrpSpPr/>
+        <p:nvPr/>
+      </p:nvGrpSpPr>
+      <p:grpSpPr>
+        <a:xfrm>
+          <a:off x="0" y="0"/>
+          <a:ext cx="0" cy="0"/>
+          <a:chOff x="0" y="0"/>
+          <a:chExt cx="0" cy="0"/>
+        </a:xfrm>
+      </p:grpSpPr>
+      <p:sp>
+        <p:nvSpPr>
+          <p:cNvPr id="2" name="Title 1">
+            <a:extLst>
+              <a:ext uri="{FF2B5EF4-FFF2-40B4-BE49-F238E27FC236}">
+                <a16:creationId xmlns:a16="http://schemas.microsoft.com/office/drawing/2014/main" id="{333F2A5A-5E0C-374F-F886-9F37D05C1906}"/>
+              </a:ext>
+            </a:extLst>
+          </p:cNvPr>
+          <p:cNvSpPr>
+            <a:spLocks noGrp="1"/>
+          </p:cNvSpPr>
+          <p:nvPr>
+            <p:ph type="title"/>
+          </p:nvPr>
+        </p:nvSpPr>
+        <p:spPr/>
+        <p:txBody>
+          <a:bodyPr/>
+          <a:lstStyle/>
+          <a:p>
+            <a:r>
+              <a:rPr lang="en-US" dirty="0"/>
+              <a:t>Life Expectancy – the average period a person may expect to live</a:t>
+            </a:r>
+          </a:p>
+        </p:txBody>
+      </p:sp>
+      <p:sp>
+        <p:nvSpPr>
+          <p:cNvPr id="3" name="Content Placeholder 2">
+            <a:extLst>
+              <a:ext uri="{FF2B5EF4-FFF2-40B4-BE49-F238E27FC236}">
+                <a16:creationId xmlns:a16="http://schemas.microsoft.com/office/drawing/2014/main" id="{BC7BF01B-A52B-503F-DD65-402D42B1A9F9}"/>
+              </a:ext>
+            </a:extLst>
+          </p:cNvPr>
+          <p:cNvSpPr>
+            <a:spLocks noGrp="1"/>
+          </p:cNvSpPr>
+          <p:nvPr>
+            <p:ph idx="1"/>
+          </p:nvPr>
+        </p:nvSpPr>
+        <p:spPr/>
+        <p:txBody>
+          <a:bodyPr/>
+          <a:lstStyle/>
+          <a:p>
+            <a:r>
+              <a:rPr lang="en-US" dirty="0"/>
+              <a:t>Lifestyle Factors: diet, activity and substance use (e.g., tobacco or alcohol) and/or abuse.</a:t>
+            </a:r>
+          </a:p>
+          <a:p>
+            <a:r>
+              <a:rPr lang="en-US" dirty="0"/>
+              <a:t>Socioeconomic Factors: social support, income, education and access to healthcare</a:t>
+            </a:r>
+          </a:p>
+          <a:p>
+            <a:r>
+              <a:rPr lang="en-US" dirty="0"/>
+              <a:t>Environmental Factors: air and water quality and living conditions</a:t>
+            </a:r>
+          </a:p>
+          <a:p>
+            <a:r>
+              <a:rPr lang="en-US" dirty="0"/>
+              <a:t>Medical Technology and Advancements</a:t>
+            </a:r>
+          </a:p>
+        </p:txBody>
+      </p:sp>
+    </p:spTree>
+    <p:extLst>
+      <p:ext uri="{BB962C8B-B14F-4D97-AF65-F5344CB8AC3E}">
+        <p14:creationId xmlns:p14="http://schemas.microsoft.com/office/powerpoint/2010/main" val="668768399"/>
+      </p:ext>
+    </p:extLst>
+  </p:cSld>
+  <p:clrMapOvr>
+    <a:masterClrMapping/>
+  </p:clrMapOvr>
+</p:sld>
+</file>
+
+<file path=ppt/slides/slide3.xml><?xml version="1.0" encoding="utf-8"?>
+<p:sld xmlns:a="http://schemas.openxmlformats.org/drawingml/2006/main" xmlns:r="http://schemas.openxmlformats.org/officeDocument/2006/relationships" xmlns:p="http://schemas.openxmlformats.org/presentationml/2006/main">
+  <p:cSld>
+    <p:spTree>
+      <p:nvGrpSpPr>
+        <p:cNvPr id="1" name=""/>
+        <p:cNvGrpSpPr/>
+        <p:nvPr/>
+      </p:nvGrpSpPr>
+      <p:grpSpPr>
+        <a:xfrm>
+          <a:off x="0" y="0"/>
+          <a:ext cx="0" cy="0"/>
+          <a:chOff x="0" y="0"/>
+          <a:chExt cx="0" cy="0"/>
+        </a:xfrm>
+      </p:grpSpPr>
+      <p:sp>
+        <p:nvSpPr>
+          <p:cNvPr id="2" name="Title 1">
+            <a:extLst>
+              <a:ext uri="{FF2B5EF4-FFF2-40B4-BE49-F238E27FC236}">
+                <a16:creationId xmlns:a16="http://schemas.microsoft.com/office/drawing/2014/main" id="{A9AC7795-2FD8-74B7-3E44-BA7EAFF5FB37}"/>
+              </a:ext>
+            </a:extLst>
+          </p:cNvPr>
+          <p:cNvSpPr>
+            <a:spLocks noGrp="1"/>
+          </p:cNvSpPr>
+          <p:nvPr>
+            <p:ph type="title"/>
+          </p:nvPr>
+        </p:nvSpPr>
+        <p:spPr/>
+        <p:txBody>
+          <a:bodyPr/>
+          <a:lstStyle/>
+          <a:p>
+            <a:r>
+              <a:rPr lang="en-US" dirty="0"/>
+              <a:t>Objective Variables Measurable Nationally</a:t>
+            </a:r>
+          </a:p>
+        </p:txBody>
+      </p:sp>
+      <p:sp>
+        <p:nvSpPr>
+          <p:cNvPr id="3" name="Content Placeholder 2">
+            <a:extLst>
+              <a:ext uri="{FF2B5EF4-FFF2-40B4-BE49-F238E27FC236}">
+                <a16:creationId xmlns:a16="http://schemas.microsoft.com/office/drawing/2014/main" id="{9443EDFD-9286-157E-1028-B2009094DC51}"/>
+              </a:ext>
+            </a:extLst>
+          </p:cNvPr>
+          <p:cNvSpPr>
+            <a:spLocks noGrp="1"/>
+          </p:cNvSpPr>
+          <p:nvPr>
+            <p:ph sz="half" idx="1"/>
+          </p:nvPr>
+        </p:nvSpPr>
+        <p:spPr/>
+        <p:txBody>
+          <a:bodyPr/>
+          <a:lstStyle/>
+          <a:p>
+            <a:r>
+              <a:rPr lang="en-US" dirty="0"/>
+              <a:t>Certain factors such as lifestyle requires a good bit of data to accurately account for</a:t>
+            </a:r>
+          </a:p>
+          <a:p>
+            <a:r>
+              <a:rPr lang="en-US" dirty="0"/>
+              <a:t>It will be more efficient to use an aggregate metric for a nation and extrapolate to factors that depend on it </a:t>
+            </a:r>
+          </a:p>
+        </p:txBody>
+      </p:sp>
+      <p:sp>
+        <p:nvSpPr>
+          <p:cNvPr id="4" name="Content Placeholder 3">
+            <a:extLst>
+              <a:ext uri="{FF2B5EF4-FFF2-40B4-BE49-F238E27FC236}">
+                <a16:creationId xmlns:a16="http://schemas.microsoft.com/office/drawing/2014/main" id="{64A760C9-8D96-FAD5-E31D-4A9E3E2CD4E9}"/>
+              </a:ext>
+            </a:extLst>
+          </p:cNvPr>
+          <p:cNvSpPr>
+            <a:spLocks noGrp="1"/>
+          </p:cNvSpPr>
+          <p:nvPr>
+            <p:ph sz="half" idx="2"/>
+          </p:nvPr>
+        </p:nvSpPr>
+        <p:spPr/>
+        <p:txBody>
+          <a:bodyPr/>
+          <a:lstStyle/>
+          <a:p>
+            <a:r>
+              <a:rPr lang="en-US" dirty="0"/>
+              <a:t>For this EDA, GDP will be used to infer the status of certain factors such as</a:t>
+            </a:r>
+          </a:p>
+          <a:p>
+            <a:pPr lvl="1"/>
+            <a:r>
+              <a:rPr lang="en-US" dirty="0"/>
+              <a:t>Social Support</a:t>
+            </a:r>
+          </a:p>
+          <a:p>
+            <a:pPr lvl="1"/>
+            <a:r>
+              <a:rPr lang="en-US" dirty="0"/>
+              <a:t>Income</a:t>
+            </a:r>
+          </a:p>
+          <a:p>
+            <a:pPr lvl="1"/>
+            <a:r>
+              <a:rPr lang="en-US" dirty="0"/>
+              <a:t>Public Health Measures</a:t>
+            </a:r>
+          </a:p>
+          <a:p>
+            <a:pPr lvl="1"/>
+            <a:r>
+              <a:rPr lang="en-US" dirty="0"/>
+              <a:t>Medical Technology</a:t>
+            </a:r>
+          </a:p>
+          <a:p>
+            <a:pPr lvl="1"/>
+            <a:r>
+              <a:rPr lang="en-US"/>
+              <a:t>General Living Conditions</a:t>
+            </a:r>
+          </a:p>
+        </p:txBody>
+      </p:sp>
+    </p:spTree>
+    <p:extLst>
+      <p:ext uri="{BB962C8B-B14F-4D97-AF65-F5344CB8AC3E}">
+        <p14:creationId xmlns:p14="http://schemas.microsoft.com/office/powerpoint/2010/main" val="1145751062"/>
+      </p:ext>
+    </p:extLst>
+  </p:cSld>
+  <p:clrMapOvr>
+    <a:masterClrMapping/>
+  </p:clrMapOvr>
+</p:sld>
+</file>
+
+<file path=ppt/slides/slide4.xml><?xml version="1.0" encoding="utf-8"?>
+<p:sld xmlns:a="http://schemas.openxmlformats.org/drawingml/2006/main" xmlns:r="http://schemas.openxmlformats.org/officeDocument/2006/relationships" xmlns:p="http://schemas.openxmlformats.org/presentationml/2006/main">
+  <p:cSld>
     <p:bg>
       <p:bgPr>
         <a:gradFill rotWithShape="1">
@@ -4034,7 +4301,10 @@
           </a:bodyPr>
           <a:lstStyle/>
           <a:p>
-            <a:endParaRPr lang="en-US"/>
+            <a:r>
+              <a:rPr lang="en-US" dirty="0"/>
+              <a:t>Life Expectancy for Both Sexes</a:t>
+            </a:r>
           </a:p>
         </p:txBody>
       </p:sp>
@@ -4066,7 +4336,7 @@
           </a:bodyPr>
           <a:lstStyle/>
           <a:p>
-            <a:endParaRPr lang="en-US"/>
+            <a:endParaRPr lang="en-US" dirty="0"/>
           </a:p>
         </p:txBody>
       </p:sp>
@@ -4315,7 +4585,7 @@
 </p:sld>
 </file>
 
-<file path=ppt/slides/slide3.xml><?xml version="1.0" encoding="utf-8"?>
+<file path=ppt/slides/slide5.xml><?xml version="1.0" encoding="utf-8"?>
 <p:sld xmlns:a="http://schemas.openxmlformats.org/drawingml/2006/main" xmlns:r="http://schemas.openxmlformats.org/officeDocument/2006/relationships" xmlns:p="http://schemas.openxmlformats.org/presentationml/2006/main">
   <p:cSld>
     <p:spTree>
